--- a/documents/CS533_Group2_Project_Presentation.pptx
+++ b/documents/CS533_Group2_Project_Presentation.pptx
@@ -16859,53 +16859,60 @@
             <p:ph idx="1"/>
           </p:nvPr>
         </p:nvSpPr>
-        <p:spPr/>
+        <p:spPr>
+          <a:xfrm>
+            <a:off x="646112" y="1248230"/>
+            <a:ext cx="9403742" cy="5000170"/>
+          </a:xfrm>
+        </p:spPr>
         <p:txBody>
-          <a:bodyPr/>
+          <a:bodyPr>
+            <a:normAutofit lnSpcReduction="10000"/>
+          </a:bodyPr>
           <a:lstStyle/>
           <a:p>
             <a:r>
-              <a:rPr lang="en-US" dirty="0"/>
+              <a:rPr lang="en-US" sz="2600" dirty="0"/>
               <a:t>Measuring power is easy. Measuring power </a:t>
             </a:r>
             <a:r>
-              <a:rPr lang="en-US" u="sng" dirty="0"/>
+              <a:rPr lang="en-US" sz="2600" u="sng" dirty="0"/>
               <a:t>accurately</a:t>
             </a:r>
             <a:r>
-              <a:rPr lang="en-US" dirty="0"/>
+              <a:rPr lang="en-US" sz="2600" dirty="0"/>
               <a:t> is </a:t>
             </a:r>
             <a:r>
-              <a:rPr lang="en-US" b="1" dirty="0"/>
+              <a:rPr lang="en-US" sz="2600" b="1" dirty="0"/>
               <a:t>hard</a:t>
             </a:r>
             <a:r>
-              <a:rPr lang="en-US" dirty="0"/>
+              <a:rPr lang="en-US" sz="2600" dirty="0"/>
               <a:t>!</a:t>
             </a:r>
           </a:p>
           <a:p>
             <a:r>
-              <a:rPr lang="en-US" dirty="0"/>
+              <a:rPr lang="en-US" sz="2600" dirty="0"/>
               <a:t>To measure the power of internal data movements, large amounts of data movement is needed.</a:t>
             </a:r>
           </a:p>
           <a:p>
             <a:r>
-              <a:rPr lang="en-US" dirty="0"/>
+              <a:rPr lang="en-US" sz="2600" dirty="0"/>
               <a:t>But, the OS gets in the way – time outs and context switches – which adds noise to the data</a:t>
             </a:r>
           </a:p>
           <a:p>
             <a:r>
-              <a:rPr lang="en-US" dirty="0"/>
+              <a:rPr lang="en-US" sz="2600" dirty="0"/>
               <a:t>Overall, the benchmarks did what they were designed to do – move data between the core, L1 cache and LLC.</a:t>
             </a:r>
           </a:p>
           <a:p>
             <a:r>
-              <a:rPr lang="en-US" dirty="0"/>
+              <a:rPr lang="en-US" sz="2600" dirty="0"/>
               <a:t>Future work would include modifications to the kernel to limit time-outs and context switches as well as move to a system which allowed more access to power data</a:t>
             </a:r>
           </a:p>
